--- a/Conditional Hierarchical Fuzzy PSO Disentangled VAE.pptx
+++ b/Conditional Hierarchical Fuzzy PSO Disentangled VAE.pptx
@@ -230,7 +230,7 @@
           <a:p>
             <a:fld id="{387E0ED0-3B41-432A-A2FA-8E165451A949}" type="datetimeFigureOut">
               <a:rPr lang="en-US" smtClean="0"/>
-              <a:t>10/7/2024</a:t>
+              <a:t>10/20/2024</a:t>
             </a:fld>
             <a:endParaRPr lang="en-US"/>
           </a:p>
@@ -896,7 +896,7 @@
           <a:p>
             <a:fld id="{3D2F0548-1AC8-40C1-AA5D-B2BC75070C8E}" type="datetime1">
               <a:rPr lang="en-US" smtClean="0"/>
-              <a:t>10/7/2024</a:t>
+              <a:t>10/20/2024</a:t>
             </a:fld>
             <a:endParaRPr lang="en-US"/>
           </a:p>
@@ -1094,7 +1094,7 @@
           <a:p>
             <a:fld id="{363C33D0-104F-4BE7-B68A-3A4DC880CE9D}" type="datetime1">
               <a:rPr lang="en-US" smtClean="0"/>
-              <a:t>10/7/2024</a:t>
+              <a:t>10/20/2024</a:t>
             </a:fld>
             <a:endParaRPr lang="en-US"/>
           </a:p>
@@ -1302,7 +1302,7 @@
           <a:p>
             <a:fld id="{FA990510-0E72-4319-9338-E56C2D29A515}" type="datetime1">
               <a:rPr lang="en-US" smtClean="0"/>
-              <a:t>10/7/2024</a:t>
+              <a:t>10/20/2024</a:t>
             </a:fld>
             <a:endParaRPr lang="en-US"/>
           </a:p>
@@ -1500,7 +1500,7 @@
           <a:p>
             <a:fld id="{C56DCE67-C956-4AD5-BDC6-87827DC39B2B}" type="datetime1">
               <a:rPr lang="en-US" smtClean="0"/>
-              <a:t>10/7/2024</a:t>
+              <a:t>10/20/2024</a:t>
             </a:fld>
             <a:endParaRPr lang="en-US"/>
           </a:p>
@@ -1775,7 +1775,7 @@
           <a:p>
             <a:fld id="{94311A55-D667-44E6-BDA5-1450F127192F}" type="datetime1">
               <a:rPr lang="en-US" smtClean="0"/>
-              <a:t>10/7/2024</a:t>
+              <a:t>10/20/2024</a:t>
             </a:fld>
             <a:endParaRPr lang="en-US"/>
           </a:p>
@@ -2040,7 +2040,7 @@
           <a:p>
             <a:fld id="{78B70165-D3EF-4E96-BA4B-94249CF9D418}" type="datetime1">
               <a:rPr lang="en-US" smtClean="0"/>
-              <a:t>10/7/2024</a:t>
+              <a:t>10/20/2024</a:t>
             </a:fld>
             <a:endParaRPr lang="en-US"/>
           </a:p>
@@ -2452,7 +2452,7 @@
           <a:p>
             <a:fld id="{15640CCE-6098-4A03-A3BC-188569E495EA}" type="datetime1">
               <a:rPr lang="en-US" smtClean="0"/>
-              <a:t>10/7/2024</a:t>
+              <a:t>10/20/2024</a:t>
             </a:fld>
             <a:endParaRPr lang="en-US"/>
           </a:p>
@@ -2593,7 +2593,7 @@
           <a:p>
             <a:fld id="{CF593C89-BCC1-48A9-8619-FAD2DC19C77C}" type="datetime1">
               <a:rPr lang="en-US" smtClean="0"/>
-              <a:t>10/7/2024</a:t>
+              <a:t>10/20/2024</a:t>
             </a:fld>
             <a:endParaRPr lang="en-US"/>
           </a:p>
@@ -2706,7 +2706,7 @@
           <a:p>
             <a:fld id="{ADD15CBF-27A9-4F18-94E2-82BA1363FE97}" type="datetime1">
               <a:rPr lang="en-US" smtClean="0"/>
-              <a:t>10/7/2024</a:t>
+              <a:t>10/20/2024</a:t>
             </a:fld>
             <a:endParaRPr lang="en-US"/>
           </a:p>
@@ -3017,7 +3017,7 @@
           <a:p>
             <a:fld id="{701AEB33-2690-4F14-B906-4BE6DD19D579}" type="datetime1">
               <a:rPr lang="en-US" smtClean="0"/>
-              <a:t>10/7/2024</a:t>
+              <a:t>10/20/2024</a:t>
             </a:fld>
             <a:endParaRPr lang="en-US"/>
           </a:p>
@@ -3305,7 +3305,7 @@
           <a:p>
             <a:fld id="{CE049488-8E4E-407C-8EAA-27E0C4A10C34}" type="datetime1">
               <a:rPr lang="en-US" smtClean="0"/>
-              <a:t>10/7/2024</a:t>
+              <a:t>10/20/2024</a:t>
             </a:fld>
             <a:endParaRPr lang="en-US"/>
           </a:p>
@@ -3566,7 +3566,7 @@
           <a:p>
             <a:fld id="{8983B9F6-2648-4379-8983-A9804E2AAECC}" type="datetime1">
               <a:rPr lang="en-US" smtClean="0"/>
-              <a:t>10/7/2024</a:t>
+              <a:t>10/20/2024</a:t>
             </a:fld>
             <a:endParaRPr lang="en-US"/>
           </a:p>
@@ -4032,7 +4032,7 @@
           <a:p>
             <a:pPr algn="ctr"/>
             <a:r>
-              <a:rPr lang="en-US" sz="2400" dirty="0">
+              <a:rPr lang="en-US" sz="2000" dirty="0">
                 <a:ln w="0"/>
                 <a:effectLst>
                   <a:outerShdw blurRad="38100" dist="19050" dir="2700000" algn="tl" rotWithShape="0">
@@ -4050,7 +4050,7 @@
           <a:p>
             <a:pPr algn="ctr"/>
             <a:r>
-              <a:rPr lang="en-US" sz="2400" dirty="0">
+              <a:rPr lang="en-US" sz="2000" dirty="0">
                 <a:ln w="0"/>
                 <a:effectLst>
                   <a:outerShdw blurRad="38100" dist="19050" dir="2700000" algn="tl" rotWithShape="0">
@@ -4068,7 +4068,59 @@
           <a:p>
             <a:pPr algn="ctr"/>
             <a:r>
-              <a:rPr lang="en-US" sz="2400" dirty="0">
+              <a:rPr lang="en-US" sz="2000" dirty="0">
+                <a:ln w="0"/>
+                <a:effectLst>
+                  <a:outerShdw blurRad="38100" dist="19050" dir="2700000" algn="tl" rotWithShape="0">
+                    <a:schemeClr val="dk1">
+                      <a:alpha val="40000"/>
+                    </a:schemeClr>
+                  </a:outerShdw>
+                </a:effectLst>
+                <a:latin typeface="Times New Roman" panose="02020603050405020304" pitchFamily="18" charset="0"/>
+                <a:cs typeface="Times New Roman" panose="02020603050405020304" pitchFamily="18" charset="0"/>
+                <a:hlinkClick r:id="rId3"/>
+              </a:rPr>
+              <a:t>mosavi.a.i.buali@gmail.com</a:t>
+            </a:r>
+            <a:r>
+              <a:rPr lang="en-US" sz="2000" dirty="0">
+                <a:ln w="0"/>
+                <a:effectLst>
+                  <a:outerShdw blurRad="38100" dist="19050" dir="2700000" algn="tl" rotWithShape="0">
+                    <a:schemeClr val="dk1">
+                      <a:alpha val="40000"/>
+                    </a:schemeClr>
+                  </a:outerShdw>
+                </a:effectLst>
+                <a:latin typeface="Times New Roman" panose="02020603050405020304" pitchFamily="18" charset="0"/>
+                <a:cs typeface="Times New Roman" panose="02020603050405020304" pitchFamily="18" charset="0"/>
+              </a:rPr>
+              <a:t> </a:t>
+            </a:r>
+          </a:p>
+          <a:p>
+            <a:pPr algn="ctr"/>
+            <a:r>
+              <a:rPr lang="en-US" sz="2000" dirty="0">
+                <a:ln w="0"/>
+                <a:effectLst>
+                  <a:outerShdw blurRad="38100" dist="19050" dir="2700000" algn="tl" rotWithShape="0">
+                    <a:schemeClr val="dk1">
+                      <a:alpha val="40000"/>
+                    </a:schemeClr>
+                  </a:outerShdw>
+                </a:effectLst>
+                <a:latin typeface="Times New Roman" panose="02020603050405020304" pitchFamily="18" charset="0"/>
+                <a:cs typeface="Times New Roman" panose="02020603050405020304" pitchFamily="18" charset="0"/>
+              </a:rPr>
+              <a:t>Lugano, Switzerland</a:t>
+            </a:r>
+          </a:p>
+          <a:p>
+            <a:pPr algn="ctr"/>
+            <a:r>
+              <a:rPr lang="en-US" sz="2000" dirty="0">
                 <a:ln w="0"/>
                 <a:effectLst>
                   <a:outerShdw blurRad="38100" dist="19050" dir="2700000" algn="tl" rotWithShape="0">
@@ -4100,7 +4152,7 @@
           <p:nvPr/>
         </p:nvPicPr>
         <p:blipFill>
-          <a:blip r:embed="rId3">
+          <a:blip r:embed="rId4">
             <a:extLst>
               <a:ext uri="{28A0092B-C50C-407E-A947-70E740481C1C}">
                 <a14:useLocalDpi xmlns:a14="http://schemas.microsoft.com/office/drawing/2010/main" val="0"/>
@@ -4206,7 +4258,7 @@
           <p:nvPr/>
         </p:nvPicPr>
         <p:blipFill>
-          <a:blip r:embed="rId4">
+          <a:blip r:embed="rId5">
             <a:extLst>
               <a:ext uri="{28A0092B-C50C-407E-A947-70E740481C1C}">
                 <a14:useLocalDpi xmlns:a14="http://schemas.microsoft.com/office/drawing/2010/main" val="0"/>
@@ -4253,7 +4305,7 @@
           <p:nvPr/>
         </p:nvPicPr>
         <p:blipFill>
-          <a:blip r:embed="rId5">
+          <a:blip r:embed="rId6">
             <a:extLst>
               <a:ext uri="{28A0092B-C50C-407E-A947-70E740481C1C}">
                 <a14:useLocalDpi xmlns:a14="http://schemas.microsoft.com/office/drawing/2010/main" val="0"/>
@@ -4289,7 +4341,7 @@
           <p:nvPr/>
         </p:nvPicPr>
         <p:blipFill>
-          <a:blip r:embed="rId5">
+          <a:blip r:embed="rId6">
             <a:extLst>
               <a:ext uri="{28A0092B-C50C-407E-A947-70E740481C1C}">
                 <a14:useLocalDpi xmlns:a14="http://schemas.microsoft.com/office/drawing/2010/main" val="0"/>
@@ -4325,7 +4377,7 @@
           <p:nvPr/>
         </p:nvPicPr>
         <p:blipFill>
-          <a:blip r:embed="rId6">
+          <a:blip r:embed="rId7">
             <a:extLst>
               <a:ext uri="{28A0092B-C50C-407E-A947-70E740481C1C}">
                 <a14:useLocalDpi xmlns:a14="http://schemas.microsoft.com/office/drawing/2010/main" val="0"/>
@@ -4361,7 +4413,7 @@
           <p:nvPr/>
         </p:nvPicPr>
         <p:blipFill>
-          <a:blip r:embed="rId7">
+          <a:blip r:embed="rId8">
             <a:extLst>
               <a:ext uri="{28A0092B-C50C-407E-A947-70E740481C1C}">
                 <a14:useLocalDpi xmlns:a14="http://schemas.microsoft.com/office/drawing/2010/main" val="0"/>
@@ -4432,7 +4484,7 @@
           <p:nvPr/>
         </p:nvPicPr>
         <p:blipFill>
-          <a:blip r:embed="rId8">
+          <a:blip r:embed="rId9">
             <a:extLst>
               <a:ext uri="{28A0092B-C50C-407E-A947-70E740481C1C}">
                 <a14:useLocalDpi xmlns:a14="http://schemas.microsoft.com/office/drawing/2010/main" val="0"/>
@@ -4468,7 +4520,7 @@
           <p:nvPr/>
         </p:nvPicPr>
         <p:blipFill>
-          <a:blip r:embed="rId9">
+          <a:blip r:embed="rId10">
             <a:extLst>
               <a:ext uri="{28A0092B-C50C-407E-A947-70E740481C1C}">
                 <a14:useLocalDpi xmlns:a14="http://schemas.microsoft.com/office/drawing/2010/main" val="0"/>
@@ -4504,7 +4556,7 @@
           <p:nvPr/>
         </p:nvPicPr>
         <p:blipFill>
-          <a:blip r:embed="rId10"/>
+          <a:blip r:embed="rId11"/>
           <a:stretch>
             <a:fillRect/>
           </a:stretch>
